--- a/[python] FinalProject/FinalProject3.pptx
+++ b/[python] FinalProject/FinalProject3.pptx
@@ -16,7 +16,7 @@
     <p:sldId id="259" r:id="rId10"/>
     <p:sldId id="266" r:id="rId11"/>
     <p:sldId id="260" r:id="rId12"/>
-    <p:sldId id="268" r:id="rId13"/>
+    <p:sldId id="270" r:id="rId13"/>
     <p:sldId id="269" r:id="rId14"/>
   </p:sldIdLst>
   <p:sldSz cx="12192000" cy="6858000"/>
@@ -6370,55 +6370,105 @@
             <p:ph type="title"/>
           </p:nvPr>
         </p:nvSpPr>
+        <p:spPr/>
+        <p:txBody>
+          <a:bodyPr/>
+          <a:lstStyle/>
+          <a:p>
+            <a:pPr algn="l"/>
+            <a:r>
+              <a:rPr lang="en-US" altLang="zh-TW" dirty="0" smtClean="0">
+                <a:latin typeface="標楷體" panose="03000509000000000000" pitchFamily="65" charset="-120"/>
+                <a:ea typeface="標楷體" panose="03000509000000000000" pitchFamily="65" charset="-120"/>
+              </a:rPr>
+              <a:t>ETP</a:t>
+            </a:r>
+            <a:endParaRPr lang="zh-TW" altLang="en-US" dirty="0">
+              <a:latin typeface="標楷體" panose="03000509000000000000" pitchFamily="65" charset="-120"/>
+              <a:ea typeface="標楷體" panose="03000509000000000000" pitchFamily="65" charset="-120"/>
+            </a:endParaRPr>
+          </a:p>
+        </p:txBody>
+      </p:sp>
+      <p:sp>
+        <p:nvSpPr>
+          <p:cNvPr id="3" name="內容版面配置區 2"/>
+          <p:cNvSpPr>
+            <a:spLocks noGrp="1"/>
+          </p:cNvSpPr>
+          <p:nvPr>
+            <p:ph idx="1"/>
+          </p:nvPr>
+        </p:nvSpPr>
         <p:spPr>
           <a:xfrm>
-            <a:off x="1295401" y="991369"/>
-            <a:ext cx="9601196" cy="1303867"/>
+            <a:off x="1590965" y="2285999"/>
+            <a:ext cx="9601196" cy="3318936"/>
           </a:xfrm>
         </p:spPr>
-        <p:txBody>
-          <a:bodyPr/>
-          <a:lstStyle/>
-          <a:p>
-            <a:pPr algn="l"/>
-            <a:r>
-              <a:rPr lang="zh-TW" altLang="en-US" dirty="0" smtClean="0"/>
-              <a:t>實驗設計</a:t>
-            </a:r>
-            <a:endParaRPr lang="zh-TW" altLang="en-US" dirty="0"/>
-          </a:p>
-        </p:txBody>
-      </p:sp>
-      <p:sp>
-        <p:nvSpPr>
-          <p:cNvPr id="3" name="內容版面配置區 2"/>
-          <p:cNvSpPr>
-            <a:spLocks noGrp="1"/>
-          </p:cNvSpPr>
-          <p:nvPr>
-            <p:ph idx="1"/>
-          </p:nvPr>
-        </p:nvSpPr>
-        <p:spPr/>
         <p:txBody>
           <a:bodyPr>
             <a:normAutofit/>
           </a:bodyPr>
           <a:lstStyle/>
           <a:p>
-            <a:r>
-              <a:rPr lang="zh-TW" altLang="en-US" dirty="0" smtClean="0">
-                <a:latin typeface="標楷體" panose="03000509000000000000" pitchFamily="65" charset="-120"/>
-                <a:ea typeface="標楷體" panose="03000509000000000000" pitchFamily="65" charset="-120"/>
-              </a:rPr>
-              <a:t>分析何種行銷方式能對業績有最大的成長</a:t>
-            </a:r>
             <a:endParaRPr lang="en-US" altLang="zh-TW" dirty="0" smtClean="0">
               <a:latin typeface="標楷體" panose="03000509000000000000" pitchFamily="65" charset="-120"/>
               <a:ea typeface="標楷體" panose="03000509000000000000" pitchFamily="65" charset="-120"/>
             </a:endParaRPr>
           </a:p>
           <a:p>
+            <a:r>
+              <a:rPr lang="en-US" altLang="zh-TW" dirty="0" smtClean="0">
+                <a:latin typeface="標楷體" panose="03000509000000000000" pitchFamily="65" charset="-120"/>
+                <a:ea typeface="標楷體" panose="03000509000000000000" pitchFamily="65" charset="-120"/>
+              </a:rPr>
+              <a:t>E</a:t>
+            </a:r>
+            <a:r>
+              <a:rPr lang="zh-TW" altLang="en-US" dirty="0" smtClean="0">
+                <a:latin typeface="標楷體" panose="03000509000000000000" pitchFamily="65" charset="-120"/>
+                <a:ea typeface="標楷體" panose="03000509000000000000" pitchFamily="65" charset="-120"/>
+              </a:rPr>
+              <a:t>：</a:t>
+            </a:r>
+            <a:r>
+              <a:rPr lang="en-US" altLang="zh-TW" dirty="0" err="1" smtClean="0">
+                <a:latin typeface="標楷體" panose="03000509000000000000" pitchFamily="65" charset="-120"/>
+                <a:ea typeface="標楷體" panose="03000509000000000000" pitchFamily="65" charset="-120"/>
+              </a:rPr>
+              <a:t>ntu_order</a:t>
+            </a:r>
+            <a:r>
+              <a:rPr lang="zh-TW" altLang="en-US" dirty="0" smtClean="0">
+                <a:latin typeface="標楷體" panose="03000509000000000000" pitchFamily="65" charset="-120"/>
+                <a:ea typeface="標楷體" panose="03000509000000000000" pitchFamily="65" charset="-120"/>
+              </a:rPr>
+              <a:t>、</a:t>
+            </a:r>
+            <a:r>
+              <a:rPr lang="en-US" altLang="zh-TW" dirty="0" smtClean="0">
+                <a:latin typeface="標楷體" panose="03000509000000000000" pitchFamily="65" charset="-120"/>
+                <a:ea typeface="標楷體" panose="03000509000000000000" pitchFamily="65" charset="-120"/>
+              </a:rPr>
+              <a:t>order</a:t>
+            </a:r>
+            <a:r>
+              <a:rPr lang="zh-TW" altLang="en-US" dirty="0" smtClean="0">
+                <a:latin typeface="標楷體" panose="03000509000000000000" pitchFamily="65" charset="-120"/>
+                <a:ea typeface="標楷體" panose="03000509000000000000" pitchFamily="65" charset="-120"/>
+              </a:rPr>
+              <a:t>、</a:t>
+            </a:r>
+            <a:r>
+              <a:rPr lang="en-US" altLang="zh-TW" dirty="0" smtClean="0">
+                <a:latin typeface="標楷體" panose="03000509000000000000" pitchFamily="65" charset="-120"/>
+                <a:ea typeface="標楷體" panose="03000509000000000000" pitchFamily="65" charset="-120"/>
+              </a:rPr>
+              <a:t>promotion order</a:t>
+            </a:r>
+          </a:p>
+          <a:p>
             <a:endParaRPr lang="en-US" altLang="zh-TW" dirty="0">
               <a:latin typeface="標楷體" panose="03000509000000000000" pitchFamily="65" charset="-120"/>
               <a:ea typeface="標楷體" panose="03000509000000000000" pitchFamily="65" charset="-120"/>
@@ -6426,47 +6476,75 @@
           </a:p>
           <a:p>
             <a:r>
+              <a:rPr lang="en-US" altLang="zh-TW" dirty="0" smtClean="0">
+                <a:latin typeface="標楷體" panose="03000509000000000000" pitchFamily="65" charset="-120"/>
+                <a:ea typeface="標楷體" panose="03000509000000000000" pitchFamily="65" charset="-120"/>
+              </a:rPr>
+              <a:t>T</a:t>
+            </a:r>
+            <a:r>
+              <a:rPr lang="zh-TW" altLang="en-US" dirty="0">
+                <a:latin typeface="標楷體" panose="03000509000000000000" pitchFamily="65" charset="-120"/>
+                <a:ea typeface="標楷體" panose="03000509000000000000" pitchFamily="65" charset="-120"/>
+              </a:rPr>
+              <a:t>：行銷手段對客群</a:t>
+            </a:r>
+            <a:r>
               <a:rPr lang="zh-TW" altLang="en-US" dirty="0" smtClean="0">
                 <a:latin typeface="標楷體" panose="03000509000000000000" pitchFamily="65" charset="-120"/>
                 <a:ea typeface="標楷體" panose="03000509000000000000" pitchFamily="65" charset="-120"/>
               </a:rPr>
-              <a:t>變數：促銷時間、促銷折扣、</a:t>
+              <a:t>流動、對</a:t>
             </a:r>
             <a:r>
               <a:rPr lang="zh-TW" altLang="en-US" dirty="0">
                 <a:latin typeface="標楷體" panose="03000509000000000000" pitchFamily="65" charset="-120"/>
                 <a:ea typeface="標楷體" panose="03000509000000000000" pitchFamily="65" charset="-120"/>
               </a:rPr>
-              <a:t>促銷</a:t>
-            </a:r>
-            <a:r>
-              <a:rPr lang="zh-TW" altLang="en-US" dirty="0" smtClean="0">
-                <a:latin typeface="標楷體" panose="03000509000000000000" pitchFamily="65" charset="-120"/>
-                <a:ea typeface="標楷體" panose="03000509000000000000" pitchFamily="65" charset="-120"/>
-              </a:rPr>
-              <a:t>方式</a:t>
-            </a:r>
-            <a:endParaRPr lang="en-US" altLang="zh-TW" dirty="0" smtClean="0">
-              <a:latin typeface="標楷體" panose="03000509000000000000" pitchFamily="65" charset="-120"/>
-              <a:ea typeface="標楷體" panose="03000509000000000000" pitchFamily="65" charset="-120"/>
-            </a:endParaRPr>
-          </a:p>
-          <a:p>
-            <a:pPr marL="0" indent="0">
-              <a:buNone/>
-            </a:pPr>
-            <a:endParaRPr lang="en-US" altLang="zh-TW" dirty="0" smtClean="0">
-              <a:latin typeface="標楷體" panose="03000509000000000000" pitchFamily="65" charset="-120"/>
-              <a:ea typeface="標楷體" panose="03000509000000000000" pitchFamily="65" charset="-120"/>
-            </a:endParaRPr>
-          </a:p>
-          <a:p>
+              <a:t>業績的影響</a:t>
+            </a:r>
             <a:endParaRPr lang="en-US" altLang="zh-TW" dirty="0">
               <a:latin typeface="標楷體" panose="03000509000000000000" pitchFamily="65" charset="-120"/>
               <a:ea typeface="標楷體" panose="03000509000000000000" pitchFamily="65" charset="-120"/>
             </a:endParaRPr>
           </a:p>
           <a:p>
+            <a:pPr marL="0" indent="0">
+              <a:buNone/>
+            </a:pPr>
+            <a:endParaRPr lang="en-US" altLang="zh-TW" dirty="0">
+              <a:latin typeface="標楷體" panose="03000509000000000000" pitchFamily="65" charset="-120"/>
+              <a:ea typeface="標楷體" panose="03000509000000000000" pitchFamily="65" charset="-120"/>
+            </a:endParaRPr>
+          </a:p>
+          <a:p>
+            <a:r>
+              <a:rPr lang="en-US" altLang="zh-TW" dirty="0" smtClean="0">
+                <a:latin typeface="標楷體" panose="03000509000000000000" pitchFamily="65" charset="-120"/>
+                <a:ea typeface="標楷體" panose="03000509000000000000" pitchFamily="65" charset="-120"/>
+              </a:rPr>
+              <a:t>P</a:t>
+            </a:r>
+            <a:r>
+              <a:rPr lang="zh-TW" altLang="en-US" dirty="0" smtClean="0">
+                <a:latin typeface="標楷體" panose="03000509000000000000" pitchFamily="65" charset="-120"/>
+                <a:ea typeface="標楷體" panose="03000509000000000000" pitchFamily="65" charset="-120"/>
+              </a:rPr>
+              <a:t>：</a:t>
+            </a:r>
+            <a:r>
+              <a:rPr lang="zh-TW" altLang="en-US" dirty="0" smtClean="0">
+                <a:latin typeface="標楷體" panose="03000509000000000000" pitchFamily="65" charset="-120"/>
+                <a:ea typeface="標楷體" panose="03000509000000000000" pitchFamily="65" charset="-120"/>
+              </a:rPr>
+              <a:t>找出最合適的行銷手段</a:t>
+            </a:r>
+            <a:endParaRPr lang="en-US" altLang="zh-TW" dirty="0">
+              <a:latin typeface="標楷體" panose="03000509000000000000" pitchFamily="65" charset="-120"/>
+              <a:ea typeface="標楷體" panose="03000509000000000000" pitchFamily="65" charset="-120"/>
+            </a:endParaRPr>
+          </a:p>
+          <a:p>
             <a:endParaRPr lang="zh-TW" altLang="en-US" dirty="0">
               <a:latin typeface="標楷體" panose="03000509000000000000" pitchFamily="65" charset="-120"/>
               <a:ea typeface="標楷體" panose="03000509000000000000" pitchFamily="65" charset="-120"/>
@@ -6477,7 +6555,7 @@
     </p:spTree>
     <p:extLst>
       <p:ext uri="{BB962C8B-B14F-4D97-AF65-F5344CB8AC3E}">
-        <p14:creationId xmlns:p14="http://schemas.microsoft.com/office/powerpoint/2010/main" val="3279300212"/>
+        <p14:creationId xmlns:p14="http://schemas.microsoft.com/office/powerpoint/2010/main" val="2673086965"/>
       </p:ext>
     </p:extLst>
   </p:cSld>
@@ -6544,346 +6622,406 @@
           <a:lstStyle/>
           <a:p>
             <a:r>
-              <a:rPr lang="zh-TW" altLang="en-US" dirty="0" smtClean="0"/>
+              <a:rPr lang="zh-TW" altLang="en-US" dirty="0" smtClean="0">
+                <a:latin typeface="標楷體" panose="03000509000000000000" pitchFamily="65" charset="-120"/>
+                <a:ea typeface="標楷體" panose="03000509000000000000" pitchFamily="65" charset="-120"/>
+              </a:rPr>
               <a:t>很難去辨認消費者是否是因為促銷活動而增加購買意願</a:t>
             </a:r>
-            <a:endParaRPr lang="en-US" altLang="zh-TW" dirty="0" smtClean="0"/>
-          </a:p>
-          <a:p>
-            <a:endParaRPr lang="en-US" altLang="zh-TW" dirty="0"/>
-          </a:p>
-          <a:p>
-            <a:r>
-              <a:rPr lang="zh-TW" altLang="en-US" dirty="0" smtClean="0"/>
+            <a:endParaRPr lang="en-US" altLang="zh-TW" dirty="0" smtClean="0">
+              <a:latin typeface="標楷體" panose="03000509000000000000" pitchFamily="65" charset="-120"/>
+              <a:ea typeface="標楷體" panose="03000509000000000000" pitchFamily="65" charset="-120"/>
+            </a:endParaRPr>
+          </a:p>
+          <a:p>
+            <a:endParaRPr lang="en-US" altLang="zh-TW" dirty="0">
+              <a:latin typeface="標楷體" panose="03000509000000000000" pitchFamily="65" charset="-120"/>
+              <a:ea typeface="標楷體" panose="03000509000000000000" pitchFamily="65" charset="-120"/>
+            </a:endParaRPr>
+          </a:p>
+          <a:p>
+            <a:r>
+              <a:rPr lang="zh-TW" altLang="en-US" dirty="0" smtClean="0">
+                <a:latin typeface="標楷體" panose="03000509000000000000" pitchFamily="65" charset="-120"/>
+                <a:ea typeface="標楷體" panose="03000509000000000000" pitchFamily="65" charset="-120"/>
+              </a:rPr>
               <a:t>兩筆資料集</a:t>
             </a:r>
             <a:r>
-              <a:rPr lang="en-US" altLang="zh-TW" dirty="0" smtClean="0"/>
+              <a:rPr lang="en-US" altLang="zh-TW" dirty="0" smtClean="0">
+                <a:latin typeface="標楷體" panose="03000509000000000000" pitchFamily="65" charset="-120"/>
+                <a:ea typeface="標楷體" panose="03000509000000000000" pitchFamily="65" charset="-120"/>
+              </a:rPr>
               <a:t>(</a:t>
             </a:r>
             <a:r>
-              <a:rPr lang="en-US" altLang="zh-TW" dirty="0" err="1" smtClean="0"/>
+              <a:rPr lang="en-US" altLang="zh-TW" dirty="0" err="1" smtClean="0">
+                <a:latin typeface="標楷體" panose="03000509000000000000" pitchFamily="65" charset="-120"/>
+                <a:ea typeface="標楷體" panose="03000509000000000000" pitchFamily="65" charset="-120"/>
+              </a:rPr>
               <a:t>NTU_order</a:t>
             </a:r>
             <a:r>
-              <a:rPr lang="zh-TW" altLang="en-US" dirty="0" smtClean="0"/>
+              <a:rPr lang="zh-TW" altLang="en-US" dirty="0" smtClean="0">
+                <a:latin typeface="標楷體" panose="03000509000000000000" pitchFamily="65" charset="-120"/>
+                <a:ea typeface="標楷體" panose="03000509000000000000" pitchFamily="65" charset="-120"/>
+              </a:rPr>
               <a:t>、</a:t>
             </a:r>
             <a:r>
-              <a:rPr lang="en-US" altLang="zh-TW" dirty="0" smtClean="0"/>
+              <a:rPr lang="en-US" altLang="zh-TW" dirty="0" smtClean="0">
+                <a:latin typeface="標楷體" panose="03000509000000000000" pitchFamily="65" charset="-120"/>
+                <a:ea typeface="標楷體" panose="03000509000000000000" pitchFamily="65" charset="-120"/>
+              </a:rPr>
               <a:t>order)</a:t>
             </a:r>
             <a:r>
-              <a:rPr lang="zh-TW" altLang="en-US" dirty="0" smtClean="0"/>
+              <a:rPr lang="zh-TW" altLang="en-US" dirty="0" smtClean="0">
+                <a:latin typeface="標楷體" panose="03000509000000000000" pitchFamily="65" charset="-120"/>
+                <a:ea typeface="標楷體" panose="03000509000000000000" pitchFamily="65" charset="-120"/>
+              </a:rPr>
               <a:t>的資料不吻合</a:t>
             </a:r>
-            <a:endParaRPr lang="en-US" altLang="zh-TW" dirty="0" smtClean="0"/>
-          </a:p>
-          <a:p>
-            <a:endParaRPr lang="en-US" altLang="zh-TW" dirty="0"/>
-          </a:p>
-          <a:p>
-            <a:r>
-              <a:rPr lang="zh-TW" altLang="en-US" dirty="0" smtClean="0"/>
+            <a:endParaRPr lang="en-US" altLang="zh-TW" dirty="0" smtClean="0">
+              <a:latin typeface="標楷體" panose="03000509000000000000" pitchFamily="65" charset="-120"/>
+              <a:ea typeface="標楷體" panose="03000509000000000000" pitchFamily="65" charset="-120"/>
+            </a:endParaRPr>
+          </a:p>
+          <a:p>
+            <a:endParaRPr lang="en-US" altLang="zh-TW" dirty="0">
+              <a:latin typeface="標楷體" panose="03000509000000000000" pitchFamily="65" charset="-120"/>
+              <a:ea typeface="標楷體" panose="03000509000000000000" pitchFamily="65" charset="-120"/>
+            </a:endParaRPr>
+          </a:p>
+          <a:p>
+            <a:r>
+              <a:rPr lang="zh-TW" altLang="en-US" dirty="0" smtClean="0">
+                <a:latin typeface="標楷體" panose="03000509000000000000" pitchFamily="65" charset="-120"/>
+                <a:ea typeface="標楷體" panose="03000509000000000000" pitchFamily="65" charset="-120"/>
+              </a:rPr>
               <a:t>促</a:t>
             </a:r>
             <a:r>
-              <a:rPr lang="zh-TW" altLang="en-US" dirty="0"/>
+              <a:rPr lang="zh-TW" altLang="en-US" dirty="0">
+                <a:latin typeface="標楷體" panose="03000509000000000000" pitchFamily="65" charset="-120"/>
+                <a:ea typeface="標楷體" panose="03000509000000000000" pitchFamily="65" charset="-120"/>
+              </a:rPr>
               <a:t>銷</a:t>
             </a:r>
             <a:r>
-              <a:rPr lang="zh-TW" altLang="en-US" dirty="0" smtClean="0"/>
+              <a:rPr lang="zh-TW" altLang="en-US" dirty="0" smtClean="0">
+                <a:latin typeface="標楷體" panose="03000509000000000000" pitchFamily="65" charset="-120"/>
+                <a:ea typeface="標楷體" panose="03000509000000000000" pitchFamily="65" charset="-120"/>
+              </a:rPr>
               <a:t>活動後業績成長的計算方</a:t>
             </a:r>
             <a:r>
-              <a:rPr lang="zh-TW" altLang="en-US" dirty="0"/>
+              <a:rPr lang="zh-TW" altLang="en-US" dirty="0">
+                <a:latin typeface="標楷體" panose="03000509000000000000" pitchFamily="65" charset="-120"/>
+                <a:ea typeface="標楷體" panose="03000509000000000000" pitchFamily="65" charset="-120"/>
+              </a:rPr>
               <a:t>式</a:t>
             </a:r>
           </a:p>
         </p:txBody>
       </p:sp>
-      <p:pic>
-        <p:nvPicPr>
-          <p:cNvPr id="4" name="圖片 3"/>
-          <p:cNvPicPr>
-            <a:picLocks noChangeAspect="1"/>
-          </p:cNvPicPr>
+      <p:grpSp>
+        <p:nvGrpSpPr>
+          <p:cNvPr id="5" name="群組 4"/>
+          <p:cNvGrpSpPr/>
           <p:nvPr/>
-        </p:nvPicPr>
-        <p:blipFill>
-          <a:blip r:embed="rId2"/>
-          <a:stretch>
-            <a:fillRect/>
-          </a:stretch>
-        </p:blipFill>
-        <p:spPr>
+        </p:nvGrpSpPr>
+        <p:grpSpPr>
           <a:xfrm>
-            <a:off x="7344785" y="4307897"/>
-            <a:ext cx="180975" cy="1123950"/>
+            <a:off x="7252630" y="3297382"/>
+            <a:ext cx="4449844" cy="3120354"/>
+            <a:chOff x="6640945" y="4216400"/>
+            <a:chExt cx="1681019" cy="1537855"/>
           </a:xfrm>
-          <a:prstGeom prst="rect">
-            <a:avLst/>
-          </a:prstGeom>
-        </p:spPr>
-      </p:pic>
-      <p:cxnSp>
-        <p:nvCxnSpPr>
-          <p:cNvPr id="6" name="直線單箭頭接點 5"/>
-          <p:cNvCxnSpPr/>
-          <p:nvPr/>
-        </p:nvCxnSpPr>
-        <p:spPr>
-          <a:xfrm flipH="1" flipV="1">
-            <a:off x="6918036" y="4216400"/>
-            <a:ext cx="9238" cy="1427018"/>
-          </a:xfrm>
-          <a:prstGeom prst="straightConnector1">
-            <a:avLst/>
-          </a:prstGeom>
-          <a:ln>
-            <a:tailEnd type="triangle"/>
-          </a:ln>
-        </p:spPr>
-        <p:style>
-          <a:lnRef idx="1">
-            <a:schemeClr val="accent1"/>
-          </a:lnRef>
-          <a:fillRef idx="0">
-            <a:schemeClr val="accent1"/>
-          </a:fillRef>
-          <a:effectRef idx="0">
-            <a:schemeClr val="accent1"/>
-          </a:effectRef>
-          <a:fontRef idx="minor">
-            <a:schemeClr val="tx1"/>
-          </a:fontRef>
-        </p:style>
-      </p:cxnSp>
-      <p:cxnSp>
-        <p:nvCxnSpPr>
-          <p:cNvPr id="9" name="直線單箭頭接點 8"/>
-          <p:cNvCxnSpPr/>
-          <p:nvPr/>
-        </p:nvCxnSpPr>
-        <p:spPr>
-          <a:xfrm>
-            <a:off x="6640945" y="5541818"/>
-            <a:ext cx="1681019" cy="0"/>
-          </a:xfrm>
-          <a:prstGeom prst="straightConnector1">
-            <a:avLst/>
-          </a:prstGeom>
-          <a:ln>
-            <a:tailEnd type="triangle"/>
-          </a:ln>
-        </p:spPr>
-        <p:style>
-          <a:lnRef idx="1">
-            <a:schemeClr val="accent2"/>
-          </a:lnRef>
-          <a:fillRef idx="0">
-            <a:schemeClr val="accent2"/>
-          </a:fillRef>
-          <a:effectRef idx="0">
-            <a:schemeClr val="accent2"/>
-          </a:effectRef>
-          <a:fontRef idx="minor">
-            <a:schemeClr val="tx1"/>
-          </a:fontRef>
-        </p:style>
-      </p:cxnSp>
-      <p:cxnSp>
-        <p:nvCxnSpPr>
-          <p:cNvPr id="11" name="直線接點 10"/>
-          <p:cNvCxnSpPr/>
-          <p:nvPr/>
-        </p:nvCxnSpPr>
-        <p:spPr>
-          <a:xfrm>
-            <a:off x="7344785" y="5043055"/>
-            <a:ext cx="0" cy="600363"/>
-          </a:xfrm>
-          <a:prstGeom prst="line">
-            <a:avLst/>
-          </a:prstGeom>
-          <a:ln w="19050">
-            <a:prstDash val="sysDot"/>
-          </a:ln>
-        </p:spPr>
-        <p:style>
-          <a:lnRef idx="1">
-            <a:schemeClr val="accent1"/>
-          </a:lnRef>
-          <a:fillRef idx="0">
-            <a:schemeClr val="accent1"/>
-          </a:fillRef>
-          <a:effectRef idx="0">
-            <a:schemeClr val="accent1"/>
-          </a:effectRef>
-          <a:fontRef idx="minor">
-            <a:schemeClr val="tx1"/>
-          </a:fontRef>
-        </p:style>
-      </p:cxnSp>
-      <p:cxnSp>
-        <p:nvCxnSpPr>
-          <p:cNvPr id="13" name="直線接點 12"/>
-          <p:cNvCxnSpPr/>
-          <p:nvPr/>
-        </p:nvCxnSpPr>
-        <p:spPr>
-          <a:xfrm>
-            <a:off x="7525760" y="4590473"/>
-            <a:ext cx="0" cy="1163782"/>
-          </a:xfrm>
-          <a:prstGeom prst="line">
-            <a:avLst/>
-          </a:prstGeom>
-          <a:ln w="19050">
-            <a:prstDash val="sysDot"/>
-          </a:ln>
-        </p:spPr>
-        <p:style>
-          <a:lnRef idx="1">
-            <a:schemeClr val="accent1"/>
-          </a:lnRef>
-          <a:fillRef idx="0">
-            <a:schemeClr val="accent1"/>
-          </a:fillRef>
-          <a:effectRef idx="0">
-            <a:schemeClr val="accent1"/>
-          </a:effectRef>
-          <a:fontRef idx="minor">
-            <a:schemeClr val="tx1"/>
-          </a:fontRef>
-        </p:style>
-      </p:cxnSp>
-      <p:cxnSp>
-        <p:nvCxnSpPr>
-          <p:cNvPr id="15" name="直線接點 14"/>
-          <p:cNvCxnSpPr/>
-          <p:nvPr/>
-        </p:nvCxnSpPr>
-        <p:spPr>
-          <a:xfrm>
-            <a:off x="7278255" y="5172364"/>
-            <a:ext cx="517236" cy="0"/>
-          </a:xfrm>
-          <a:prstGeom prst="line">
-            <a:avLst/>
-          </a:prstGeom>
-        </p:spPr>
-        <p:style>
-          <a:lnRef idx="1">
-            <a:schemeClr val="accent5"/>
-          </a:lnRef>
-          <a:fillRef idx="0">
-            <a:schemeClr val="accent5"/>
-          </a:fillRef>
-          <a:effectRef idx="0">
-            <a:schemeClr val="accent5"/>
-          </a:effectRef>
-          <a:fontRef idx="minor">
-            <a:schemeClr val="tx1"/>
-          </a:fontRef>
-        </p:style>
-      </p:cxnSp>
-      <p:cxnSp>
-        <p:nvCxnSpPr>
-          <p:cNvPr id="17" name="直線接點 16"/>
-          <p:cNvCxnSpPr/>
-          <p:nvPr/>
-        </p:nvCxnSpPr>
-        <p:spPr>
-          <a:xfrm>
-            <a:off x="7176655" y="4590473"/>
-            <a:ext cx="581890" cy="0"/>
-          </a:xfrm>
-          <a:prstGeom prst="line">
-            <a:avLst/>
-          </a:prstGeom>
-        </p:spPr>
-        <p:style>
-          <a:lnRef idx="1">
-            <a:schemeClr val="accent5"/>
-          </a:lnRef>
-          <a:fillRef idx="0">
-            <a:schemeClr val="accent5"/>
-          </a:fillRef>
-          <a:effectRef idx="0">
-            <a:schemeClr val="accent5"/>
-          </a:effectRef>
-          <a:fontRef idx="minor">
-            <a:schemeClr val="tx1"/>
-          </a:fontRef>
-        </p:style>
-      </p:cxnSp>
-      <p:cxnSp>
-        <p:nvCxnSpPr>
-          <p:cNvPr id="20" name="直線單箭頭接點 19"/>
-          <p:cNvCxnSpPr/>
-          <p:nvPr/>
-        </p:nvCxnSpPr>
-        <p:spPr>
-          <a:xfrm flipH="1" flipV="1">
-            <a:off x="7675420" y="4590473"/>
-            <a:ext cx="460" cy="221673"/>
-          </a:xfrm>
-          <a:prstGeom prst="straightConnector1">
-            <a:avLst/>
-          </a:prstGeom>
-          <a:ln>
-            <a:tailEnd type="triangle"/>
-          </a:ln>
-        </p:spPr>
-        <p:style>
-          <a:lnRef idx="1">
-            <a:schemeClr val="accent6"/>
-          </a:lnRef>
-          <a:fillRef idx="0">
-            <a:schemeClr val="accent6"/>
-          </a:fillRef>
-          <a:effectRef idx="0">
-            <a:schemeClr val="accent6"/>
-          </a:effectRef>
-          <a:fontRef idx="minor">
-            <a:schemeClr val="tx1"/>
-          </a:fontRef>
-        </p:style>
-      </p:cxnSp>
-      <p:cxnSp>
-        <p:nvCxnSpPr>
-          <p:cNvPr id="22" name="直線單箭頭接點 21"/>
-          <p:cNvCxnSpPr/>
-          <p:nvPr/>
-        </p:nvCxnSpPr>
-        <p:spPr>
-          <a:xfrm>
-            <a:off x="7675420" y="4959927"/>
-            <a:ext cx="0" cy="203200"/>
-          </a:xfrm>
-          <a:prstGeom prst="straightConnector1">
-            <a:avLst/>
-          </a:prstGeom>
-          <a:ln>
-            <a:tailEnd type="triangle"/>
-          </a:ln>
-        </p:spPr>
-        <p:style>
-          <a:lnRef idx="1">
-            <a:schemeClr val="accent6"/>
-          </a:lnRef>
-          <a:fillRef idx="0">
-            <a:schemeClr val="accent6"/>
-          </a:fillRef>
-          <a:effectRef idx="0">
-            <a:schemeClr val="accent6"/>
-          </a:effectRef>
-          <a:fontRef idx="minor">
-            <a:schemeClr val="tx1"/>
-          </a:fontRef>
-        </p:style>
-      </p:cxnSp>
+        </p:grpSpPr>
+        <p:pic>
+          <p:nvPicPr>
+            <p:cNvPr id="4" name="圖片 3"/>
+            <p:cNvPicPr>
+              <a:picLocks noChangeAspect="1"/>
+            </p:cNvPicPr>
+            <p:nvPr/>
+          </p:nvPicPr>
+          <p:blipFill>
+            <a:blip r:embed="rId2"/>
+            <a:stretch>
+              <a:fillRect/>
+            </a:stretch>
+          </p:blipFill>
+          <p:spPr>
+            <a:xfrm>
+              <a:off x="7344785" y="4307897"/>
+              <a:ext cx="180975" cy="1123950"/>
+            </a:xfrm>
+            <a:prstGeom prst="rect">
+              <a:avLst/>
+            </a:prstGeom>
+          </p:spPr>
+        </p:pic>
+        <p:cxnSp>
+          <p:nvCxnSpPr>
+            <p:cNvPr id="6" name="直線單箭頭接點 5"/>
+            <p:cNvCxnSpPr/>
+            <p:nvPr/>
+          </p:nvCxnSpPr>
+          <p:spPr>
+            <a:xfrm flipH="1" flipV="1">
+              <a:off x="6918036" y="4216400"/>
+              <a:ext cx="9238" cy="1427018"/>
+            </a:xfrm>
+            <a:prstGeom prst="straightConnector1">
+              <a:avLst/>
+            </a:prstGeom>
+            <a:ln>
+              <a:tailEnd type="triangle"/>
+            </a:ln>
+          </p:spPr>
+          <p:style>
+            <a:lnRef idx="1">
+              <a:schemeClr val="accent1"/>
+            </a:lnRef>
+            <a:fillRef idx="0">
+              <a:schemeClr val="accent1"/>
+            </a:fillRef>
+            <a:effectRef idx="0">
+              <a:schemeClr val="accent1"/>
+            </a:effectRef>
+            <a:fontRef idx="minor">
+              <a:schemeClr val="tx1"/>
+            </a:fontRef>
+          </p:style>
+        </p:cxnSp>
+        <p:cxnSp>
+          <p:nvCxnSpPr>
+            <p:cNvPr id="9" name="直線單箭頭接點 8"/>
+            <p:cNvCxnSpPr/>
+            <p:nvPr/>
+          </p:nvCxnSpPr>
+          <p:spPr>
+            <a:xfrm>
+              <a:off x="6640945" y="5541818"/>
+              <a:ext cx="1681019" cy="0"/>
+            </a:xfrm>
+            <a:prstGeom prst="straightConnector1">
+              <a:avLst/>
+            </a:prstGeom>
+            <a:ln>
+              <a:tailEnd type="triangle"/>
+            </a:ln>
+          </p:spPr>
+          <p:style>
+            <a:lnRef idx="1">
+              <a:schemeClr val="accent2"/>
+            </a:lnRef>
+            <a:fillRef idx="0">
+              <a:schemeClr val="accent2"/>
+            </a:fillRef>
+            <a:effectRef idx="0">
+              <a:schemeClr val="accent2"/>
+            </a:effectRef>
+            <a:fontRef idx="minor">
+              <a:schemeClr val="tx1"/>
+            </a:fontRef>
+          </p:style>
+        </p:cxnSp>
+        <p:cxnSp>
+          <p:nvCxnSpPr>
+            <p:cNvPr id="11" name="直線接點 10"/>
+            <p:cNvCxnSpPr/>
+            <p:nvPr/>
+          </p:nvCxnSpPr>
+          <p:spPr>
+            <a:xfrm>
+              <a:off x="7344785" y="5043055"/>
+              <a:ext cx="0" cy="600363"/>
+            </a:xfrm>
+            <a:prstGeom prst="line">
+              <a:avLst/>
+            </a:prstGeom>
+            <a:ln w="19050">
+              <a:prstDash val="sysDot"/>
+            </a:ln>
+          </p:spPr>
+          <p:style>
+            <a:lnRef idx="1">
+              <a:schemeClr val="accent1"/>
+            </a:lnRef>
+            <a:fillRef idx="0">
+              <a:schemeClr val="accent1"/>
+            </a:fillRef>
+            <a:effectRef idx="0">
+              <a:schemeClr val="accent1"/>
+            </a:effectRef>
+            <a:fontRef idx="minor">
+              <a:schemeClr val="tx1"/>
+            </a:fontRef>
+          </p:style>
+        </p:cxnSp>
+        <p:cxnSp>
+          <p:nvCxnSpPr>
+            <p:cNvPr id="13" name="直線接點 12"/>
+            <p:cNvCxnSpPr/>
+            <p:nvPr/>
+          </p:nvCxnSpPr>
+          <p:spPr>
+            <a:xfrm>
+              <a:off x="7525760" y="4590473"/>
+              <a:ext cx="0" cy="1163782"/>
+            </a:xfrm>
+            <a:prstGeom prst="line">
+              <a:avLst/>
+            </a:prstGeom>
+            <a:ln w="19050">
+              <a:prstDash val="sysDot"/>
+            </a:ln>
+          </p:spPr>
+          <p:style>
+            <a:lnRef idx="1">
+              <a:schemeClr val="accent1"/>
+            </a:lnRef>
+            <a:fillRef idx="0">
+              <a:schemeClr val="accent1"/>
+            </a:fillRef>
+            <a:effectRef idx="0">
+              <a:schemeClr val="accent1"/>
+            </a:effectRef>
+            <a:fontRef idx="minor">
+              <a:schemeClr val="tx1"/>
+            </a:fontRef>
+          </p:style>
+        </p:cxnSp>
+        <p:cxnSp>
+          <p:nvCxnSpPr>
+            <p:cNvPr id="15" name="直線接點 14"/>
+            <p:cNvCxnSpPr/>
+            <p:nvPr/>
+          </p:nvCxnSpPr>
+          <p:spPr>
+            <a:xfrm>
+              <a:off x="7278255" y="5172364"/>
+              <a:ext cx="517236" cy="0"/>
+            </a:xfrm>
+            <a:prstGeom prst="line">
+              <a:avLst/>
+            </a:prstGeom>
+          </p:spPr>
+          <p:style>
+            <a:lnRef idx="1">
+              <a:schemeClr val="accent5"/>
+            </a:lnRef>
+            <a:fillRef idx="0">
+              <a:schemeClr val="accent5"/>
+            </a:fillRef>
+            <a:effectRef idx="0">
+              <a:schemeClr val="accent5"/>
+            </a:effectRef>
+            <a:fontRef idx="minor">
+              <a:schemeClr val="tx1"/>
+            </a:fontRef>
+          </p:style>
+        </p:cxnSp>
+        <p:cxnSp>
+          <p:nvCxnSpPr>
+            <p:cNvPr id="17" name="直線接點 16"/>
+            <p:cNvCxnSpPr/>
+            <p:nvPr/>
+          </p:nvCxnSpPr>
+          <p:spPr>
+            <a:xfrm>
+              <a:off x="7176655" y="4590473"/>
+              <a:ext cx="581890" cy="0"/>
+            </a:xfrm>
+            <a:prstGeom prst="line">
+              <a:avLst/>
+            </a:prstGeom>
+          </p:spPr>
+          <p:style>
+            <a:lnRef idx="1">
+              <a:schemeClr val="accent5"/>
+            </a:lnRef>
+            <a:fillRef idx="0">
+              <a:schemeClr val="accent5"/>
+            </a:fillRef>
+            <a:effectRef idx="0">
+              <a:schemeClr val="accent5"/>
+            </a:effectRef>
+            <a:fontRef idx="minor">
+              <a:schemeClr val="tx1"/>
+            </a:fontRef>
+          </p:style>
+        </p:cxnSp>
+        <p:cxnSp>
+          <p:nvCxnSpPr>
+            <p:cNvPr id="20" name="直線單箭頭接點 19"/>
+            <p:cNvCxnSpPr/>
+            <p:nvPr/>
+          </p:nvCxnSpPr>
+          <p:spPr>
+            <a:xfrm flipH="1" flipV="1">
+              <a:off x="7675420" y="4590473"/>
+              <a:ext cx="460" cy="221673"/>
+            </a:xfrm>
+            <a:prstGeom prst="straightConnector1">
+              <a:avLst/>
+            </a:prstGeom>
+            <a:ln>
+              <a:tailEnd type="triangle"/>
+            </a:ln>
+          </p:spPr>
+          <p:style>
+            <a:lnRef idx="1">
+              <a:schemeClr val="accent6"/>
+            </a:lnRef>
+            <a:fillRef idx="0">
+              <a:schemeClr val="accent6"/>
+            </a:fillRef>
+            <a:effectRef idx="0">
+              <a:schemeClr val="accent6"/>
+            </a:effectRef>
+            <a:fontRef idx="minor">
+              <a:schemeClr val="tx1"/>
+            </a:fontRef>
+          </p:style>
+        </p:cxnSp>
+        <p:cxnSp>
+          <p:nvCxnSpPr>
+            <p:cNvPr id="22" name="直線單箭頭接點 21"/>
+            <p:cNvCxnSpPr/>
+            <p:nvPr/>
+          </p:nvCxnSpPr>
+          <p:spPr>
+            <a:xfrm>
+              <a:off x="7675420" y="4959927"/>
+              <a:ext cx="0" cy="203200"/>
+            </a:xfrm>
+            <a:prstGeom prst="straightConnector1">
+              <a:avLst/>
+            </a:prstGeom>
+            <a:ln>
+              <a:tailEnd type="triangle"/>
+            </a:ln>
+          </p:spPr>
+          <p:style>
+            <a:lnRef idx="1">
+              <a:schemeClr val="accent6"/>
+            </a:lnRef>
+            <a:fillRef idx="0">
+              <a:schemeClr val="accent6"/>
+            </a:fillRef>
+            <a:effectRef idx="0">
+              <a:schemeClr val="accent6"/>
+            </a:effectRef>
+            <a:fontRef idx="minor">
+              <a:schemeClr val="tx1"/>
+            </a:fontRef>
+          </p:style>
+        </p:cxnSp>
+      </p:grpSp>
     </p:spTree>
     <p:extLst>
       <p:ext uri="{BB962C8B-B14F-4D97-AF65-F5344CB8AC3E}">
@@ -8618,14 +8756,7 @@
                 <a:latin typeface="標楷體" panose="03000509000000000000" pitchFamily="65" charset="-120"/>
                 <a:ea typeface="標楷體" panose="03000509000000000000" pitchFamily="65" charset="-120"/>
               </a:rPr>
-              <a:t>(</a:t>
-            </a:r>
-            <a:r>
-              <a:rPr lang="en-US" altLang="zh-TW" dirty="0" smtClean="0">
-                <a:latin typeface="標楷體" panose="03000509000000000000" pitchFamily="65" charset="-120"/>
-                <a:ea typeface="標楷體" panose="03000509000000000000" pitchFamily="65" charset="-120"/>
-              </a:rPr>
-              <a:t>RSNS)</a:t>
+              <a:t>(RSNS)</a:t>
             </a:r>
             <a:r>
               <a:rPr lang="zh-TW" altLang="en-US" dirty="0">
@@ -9555,11 +9686,11 @@
   <p:clrMapOvr>
     <a:masterClrMapping/>
   </p:clrMapOvr>
-  <mc:AlternateContent xmlns:mc="http://schemas.openxmlformats.org/markup-compatibility/2006">
-    <mc:Choice xmlns:p14="http://schemas.microsoft.com/office/powerpoint/2010/main" Requires="p14">
+  <mc:AlternateContent xmlns:mc="http://schemas.openxmlformats.org/markup-compatibility/2006" xmlns:p14="http://schemas.microsoft.com/office/powerpoint/2010/main">
+    <mc:Choice Requires="p14">
       <p:transition spd="slow" p14:dur="2000"/>
     </mc:Choice>
-    <mc:Fallback>
+    <mc:Fallback xmlns="">
       <p:transition spd="slow"/>
     </mc:Fallback>
   </mc:AlternateContent>

--- a/[python] FinalProject/FinalProject3.pptx
+++ b/[python] FinalProject/FinalProject3.pptx
@@ -455,7 +455,7 @@
           <a:p>
             <a:fld id="{562F5799-B702-4CA8-B4DF-2DB7996ED141}" type="datetimeFigureOut">
               <a:rPr lang="zh-TW" altLang="en-US" smtClean="0"/>
-              <a:t>2018/6/7</a:t>
+              <a:t>2018/6/14</a:t>
             </a:fld>
             <a:endParaRPr lang="zh-TW" altLang="en-US"/>
           </a:p>
@@ -779,7 +779,7 @@
           <a:p>
             <a:fld id="{562F5799-B702-4CA8-B4DF-2DB7996ED141}" type="datetimeFigureOut">
               <a:rPr lang="zh-TW" altLang="en-US" smtClean="0"/>
-              <a:t>2018/6/7</a:t>
+              <a:t>2018/6/14</a:t>
             </a:fld>
             <a:endParaRPr lang="zh-TW" altLang="en-US"/>
           </a:p>
@@ -1027,7 +1027,7 @@
           <a:p>
             <a:fld id="{562F5799-B702-4CA8-B4DF-2DB7996ED141}" type="datetimeFigureOut">
               <a:rPr lang="zh-TW" altLang="en-US" smtClean="0"/>
-              <a:t>2018/6/7</a:t>
+              <a:t>2018/6/14</a:t>
             </a:fld>
             <a:endParaRPr lang="zh-TW" altLang="en-US"/>
           </a:p>
@@ -1366,7 +1366,7 @@
           <a:p>
             <a:fld id="{562F5799-B702-4CA8-B4DF-2DB7996ED141}" type="datetimeFigureOut">
               <a:rPr lang="zh-TW" altLang="en-US" smtClean="0"/>
-              <a:t>2018/6/7</a:t>
+              <a:t>2018/6/14</a:t>
             </a:fld>
             <a:endParaRPr lang="zh-TW" altLang="en-US"/>
           </a:p>
@@ -1713,7 +1713,7 @@
           <a:p>
             <a:fld id="{562F5799-B702-4CA8-B4DF-2DB7996ED141}" type="datetimeFigureOut">
               <a:rPr lang="zh-TW" altLang="en-US" smtClean="0"/>
-              <a:t>2018/6/7</a:t>
+              <a:t>2018/6/14</a:t>
             </a:fld>
             <a:endParaRPr lang="zh-TW" altLang="en-US"/>
           </a:p>
@@ -2087,7 +2087,7 @@
           <a:p>
             <a:fld id="{562F5799-B702-4CA8-B4DF-2DB7996ED141}" type="datetimeFigureOut">
               <a:rPr lang="zh-TW" altLang="en-US" smtClean="0"/>
-              <a:t>2018/6/7</a:t>
+              <a:t>2018/6/14</a:t>
             </a:fld>
             <a:endParaRPr lang="zh-TW" altLang="en-US"/>
           </a:p>
@@ -2557,7 +2557,7 @@
           <a:p>
             <a:fld id="{562F5799-B702-4CA8-B4DF-2DB7996ED141}" type="datetimeFigureOut">
               <a:rPr lang="zh-TW" altLang="en-US" smtClean="0"/>
-              <a:t>2018/6/7</a:t>
+              <a:t>2018/6/14</a:t>
             </a:fld>
             <a:endParaRPr lang="zh-TW" altLang="en-US"/>
           </a:p>
@@ -2762,7 +2762,7 @@
           <a:p>
             <a:fld id="{562F5799-B702-4CA8-B4DF-2DB7996ED141}" type="datetimeFigureOut">
               <a:rPr lang="zh-TW" altLang="en-US" smtClean="0"/>
-              <a:t>2018/6/7</a:t>
+              <a:t>2018/6/14</a:t>
             </a:fld>
             <a:endParaRPr lang="zh-TW" altLang="en-US"/>
           </a:p>
@@ -2973,7 +2973,7 @@
           <a:p>
             <a:fld id="{562F5799-B702-4CA8-B4DF-2DB7996ED141}" type="datetimeFigureOut">
               <a:rPr lang="zh-TW" altLang="en-US" smtClean="0"/>
-              <a:t>2018/6/7</a:t>
+              <a:t>2018/6/14</a:t>
             </a:fld>
             <a:endParaRPr lang="zh-TW" altLang="en-US"/>
           </a:p>
@@ -3205,7 +3205,7 @@
           <a:p>
             <a:fld id="{562F5799-B702-4CA8-B4DF-2DB7996ED141}" type="datetimeFigureOut">
               <a:rPr lang="zh-TW" altLang="en-US" smtClean="0"/>
-              <a:t>2018/6/7</a:t>
+              <a:t>2018/6/14</a:t>
             </a:fld>
             <a:endParaRPr lang="zh-TW" altLang="en-US"/>
           </a:p>
@@ -3453,7 +3453,7 @@
           <a:p>
             <a:fld id="{562F5799-B702-4CA8-B4DF-2DB7996ED141}" type="datetimeFigureOut">
               <a:rPr lang="zh-TW" altLang="en-US" smtClean="0"/>
-              <a:t>2018/6/7</a:t>
+              <a:t>2018/6/14</a:t>
             </a:fld>
             <a:endParaRPr lang="zh-TW" altLang="en-US"/>
           </a:p>
@@ -3751,7 +3751,7 @@
           <a:p>
             <a:fld id="{562F5799-B702-4CA8-B4DF-2DB7996ED141}" type="datetimeFigureOut">
               <a:rPr lang="zh-TW" altLang="en-US" smtClean="0"/>
-              <a:t>2018/6/7</a:t>
+              <a:t>2018/6/14</a:t>
             </a:fld>
             <a:endParaRPr lang="zh-TW" altLang="en-US"/>
           </a:p>
@@ -4145,7 +4145,7 @@
           <a:p>
             <a:fld id="{562F5799-B702-4CA8-B4DF-2DB7996ED141}" type="datetimeFigureOut">
               <a:rPr lang="zh-TW" altLang="en-US" smtClean="0"/>
-              <a:t>2018/6/7</a:t>
+              <a:t>2018/6/14</a:t>
             </a:fld>
             <a:endParaRPr lang="zh-TW" altLang="en-US"/>
           </a:p>
@@ -4294,7 +4294,7 @@
           <a:p>
             <a:fld id="{562F5799-B702-4CA8-B4DF-2DB7996ED141}" type="datetimeFigureOut">
               <a:rPr lang="zh-TW" altLang="en-US" smtClean="0"/>
-              <a:t>2018/6/7</a:t>
+              <a:t>2018/6/14</a:t>
             </a:fld>
             <a:endParaRPr lang="zh-TW" altLang="en-US"/>
           </a:p>
@@ -4420,7 +4420,7 @@
           <a:p>
             <a:fld id="{562F5799-B702-4CA8-B4DF-2DB7996ED141}" type="datetimeFigureOut">
               <a:rPr lang="zh-TW" altLang="en-US" smtClean="0"/>
-              <a:t>2018/6/7</a:t>
+              <a:t>2018/6/14</a:t>
             </a:fld>
             <a:endParaRPr lang="zh-TW" altLang="en-US"/>
           </a:p>
@@ -4675,7 +4675,7 @@
           <a:p>
             <a:fld id="{562F5799-B702-4CA8-B4DF-2DB7996ED141}" type="datetimeFigureOut">
               <a:rPr lang="zh-TW" altLang="en-US" smtClean="0"/>
-              <a:t>2018/6/7</a:t>
+              <a:t>2018/6/14</a:t>
             </a:fld>
             <a:endParaRPr lang="zh-TW" altLang="en-US"/>
           </a:p>
@@ -4990,7 +4990,7 @@
           <a:p>
             <a:fld id="{562F5799-B702-4CA8-B4DF-2DB7996ED141}" type="datetimeFigureOut">
               <a:rPr lang="zh-TW" altLang="en-US" smtClean="0"/>
-              <a:t>2018/6/7</a:t>
+              <a:t>2018/6/14</a:t>
             </a:fld>
             <a:endParaRPr lang="zh-TW" altLang="en-US"/>
           </a:p>
@@ -5341,7 +5341,7 @@
           <a:p>
             <a:fld id="{562F5799-B702-4CA8-B4DF-2DB7996ED141}" type="datetimeFigureOut">
               <a:rPr lang="zh-TW" altLang="en-US" smtClean="0"/>
-              <a:t>2018/6/7</a:t>
+              <a:t>2018/6/14</a:t>
             </a:fld>
             <a:endParaRPr lang="zh-TW" altLang="en-US"/>
           </a:p>
@@ -6530,14 +6530,7 @@
                 <a:latin typeface="標楷體" panose="03000509000000000000" pitchFamily="65" charset="-120"/>
                 <a:ea typeface="標楷體" panose="03000509000000000000" pitchFamily="65" charset="-120"/>
               </a:rPr>
-              <a:t>：</a:t>
-            </a:r>
-            <a:r>
-              <a:rPr lang="zh-TW" altLang="en-US" dirty="0" smtClean="0">
-                <a:latin typeface="標楷體" panose="03000509000000000000" pitchFamily="65" charset="-120"/>
-                <a:ea typeface="標楷體" panose="03000509000000000000" pitchFamily="65" charset="-120"/>
-              </a:rPr>
-              <a:t>找出最合適的行銷手段</a:t>
+              <a:t>：找出最合適的行銷手段</a:t>
             </a:r>
             <a:endParaRPr lang="en-US" altLang="zh-TW" dirty="0">
               <a:latin typeface="標楷體" panose="03000509000000000000" pitchFamily="65" charset="-120"/>
@@ -6562,6 +6555,14 @@
   <p:clrMapOvr>
     <a:masterClrMapping/>
   </p:clrMapOvr>
+  <mc:AlternateContent xmlns:mc="http://schemas.openxmlformats.org/markup-compatibility/2006">
+    <mc:Choice xmlns:p14="http://schemas.microsoft.com/office/powerpoint/2010/main" Requires="p14">
+      <p:transition spd="slow" p14:dur="2000"/>
+    </mc:Choice>
+    <mc:Fallback>
+      <p:transition spd="slow"/>
+    </mc:Fallback>
+  </mc:AlternateContent>
 </p:sld>
 </file>
 
@@ -8029,7 +8030,14 @@
                 <a:latin typeface="標楷體" panose="03000509000000000000" pitchFamily="65" charset="-120"/>
                 <a:ea typeface="標楷體" panose="03000509000000000000" pitchFamily="65" charset="-120"/>
               </a:rPr>
-              <a:t>(RSNS)</a:t>
+              <a:t>(</a:t>
+            </a:r>
+            <a:r>
+              <a:rPr lang="en-US" altLang="zh-TW" dirty="0" smtClean="0">
+                <a:latin typeface="標楷體" panose="03000509000000000000" pitchFamily="65" charset="-120"/>
+                <a:ea typeface="標楷體" panose="03000509000000000000" pitchFamily="65" charset="-120"/>
+              </a:rPr>
+              <a:t>RSN)</a:t>
             </a:r>
             <a:r>
               <a:rPr lang="zh-TW" altLang="en-US" dirty="0">
@@ -8060,14 +8068,14 @@
           <p:nvPr>
             <p:extLst>
               <p:ext uri="{D42A27DB-BD31-4B8C-83A1-F6EECF244321}">
-                <p14:modId xmlns:p14="http://schemas.microsoft.com/office/powerpoint/2010/main" val="520870412"/>
+                <p14:modId xmlns:p14="http://schemas.microsoft.com/office/powerpoint/2010/main" val="2427994102"/>
               </p:ext>
             </p:extLst>
           </p:nvPr>
         </p:nvGraphicFramePr>
         <p:xfrm>
           <a:off x="1948872" y="1902689"/>
-          <a:ext cx="8127999" cy="3919917"/>
+          <a:ext cx="8127999" cy="3194311"/>
         </p:xfrm>
         <a:graphic>
           <a:graphicData uri="http://schemas.openxmlformats.org/drawingml/2006/table">
@@ -8183,7 +8191,7 @@
                           <a:latin typeface="標楷體" panose="03000509000000000000" pitchFamily="65" charset="-120"/>
                           <a:ea typeface="標楷體" panose="03000509000000000000" pitchFamily="65" charset="-120"/>
                         </a:rPr>
-                        <a:t>Register</a:t>
+                        <a:t>new</a:t>
                       </a:r>
                       <a:endParaRPr lang="zh-TW" altLang="en-US" dirty="0">
                         <a:solidFill>
@@ -8366,14 +8374,14 @@
                     <a:p>
                       <a:pPr algn="ctr"/>
                       <a:r>
-                        <a:rPr lang="en-US" altLang="zh-TW" dirty="0" err="1" smtClean="0">
+                        <a:rPr lang="en-US" altLang="zh-TW" dirty="0" smtClean="0">
                           <a:solidFill>
                             <a:srgbClr val="0000F0"/>
                           </a:solidFill>
                           <a:latin typeface="標楷體" panose="03000509000000000000" pitchFamily="65" charset="-120"/>
                           <a:ea typeface="標楷體" panose="03000509000000000000" pitchFamily="65" charset="-120"/>
                         </a:rPr>
-                        <a:t>Naping</a:t>
+                        <a:t>sleeping</a:t>
                       </a:r>
                       <a:endParaRPr lang="zh-TW" altLang="en-US" dirty="0">
                         <a:solidFill>
@@ -8467,82 +8475,6 @@
                   </a:ext>
                 </a:extLst>
               </a:tr>
-              <a:tr h="725606">
-                <a:tc>
-                  <a:txBody>
-                    <a:bodyPr/>
-                    <a:lstStyle/>
-                    <a:p>
-                      <a:pPr algn="ctr"/>
-                      <a:r>
-                        <a:rPr lang="en-US" altLang="zh-TW" dirty="0" smtClean="0">
-                          <a:solidFill>
-                            <a:schemeClr val="accent6"/>
-                          </a:solidFill>
-                          <a:latin typeface="標楷體" panose="03000509000000000000" pitchFamily="65" charset="-120"/>
-                          <a:ea typeface="標楷體" panose="03000509000000000000" pitchFamily="65" charset="-120"/>
-                        </a:rPr>
-                        <a:t>Sleeping</a:t>
-                      </a:r>
-                      <a:endParaRPr lang="zh-TW" altLang="en-US" dirty="0">
-                        <a:solidFill>
-                          <a:schemeClr val="accent6"/>
-                        </a:solidFill>
-                        <a:latin typeface="標楷體" panose="03000509000000000000" pitchFamily="65" charset="-120"/>
-                        <a:ea typeface="標楷體" panose="03000509000000000000" pitchFamily="65" charset="-120"/>
-                      </a:endParaRPr>
-                    </a:p>
-                  </a:txBody>
-                  <a:tcPr/>
-                </a:tc>
-                <a:tc>
-                  <a:txBody>
-                    <a:bodyPr/>
-                    <a:lstStyle/>
-                    <a:p>
-                      <a:pPr algn="ctr"/>
-                      <a:r>
-                        <a:rPr lang="zh-TW" altLang="en-US" dirty="0" smtClean="0">
-                          <a:latin typeface="標楷體" panose="03000509000000000000" pitchFamily="65" charset="-120"/>
-                          <a:ea typeface="標楷體" panose="03000509000000000000" pitchFamily="65" charset="-120"/>
-                        </a:rPr>
-                        <a:t>難喚醒的客人</a:t>
-                      </a:r>
-                      <a:endParaRPr lang="zh-TW" altLang="en-US" dirty="0">
-                        <a:latin typeface="標楷體" panose="03000509000000000000" pitchFamily="65" charset="-120"/>
-                        <a:ea typeface="標楷體" panose="03000509000000000000" pitchFamily="65" charset="-120"/>
-                      </a:endParaRPr>
-                    </a:p>
-                  </a:txBody>
-                  <a:tcPr/>
-                </a:tc>
-                <a:tc>
-                  <a:txBody>
-                    <a:bodyPr/>
-                    <a:lstStyle/>
-                    <a:p>
-                      <a:pPr algn="ctr"/>
-                      <a:r>
-                        <a:rPr lang="zh-TW" altLang="en-US" dirty="0" smtClean="0">
-                          <a:latin typeface="標楷體" panose="03000509000000000000" pitchFamily="65" charset="-120"/>
-                          <a:ea typeface="標楷體" panose="03000509000000000000" pitchFamily="65" charset="-120"/>
-                        </a:rPr>
-                        <a:t>有註冊，但是上個月和這個月都沒消費</a:t>
-                      </a:r>
-                      <a:endParaRPr lang="zh-TW" altLang="en-US" dirty="0">
-                        <a:latin typeface="標楷體" panose="03000509000000000000" pitchFamily="65" charset="-120"/>
-                        <a:ea typeface="標楷體" panose="03000509000000000000" pitchFamily="65" charset="-120"/>
-                      </a:endParaRPr>
-                    </a:p>
-                  </a:txBody>
-                  <a:tcPr/>
-                </a:tc>
-                <a:extLst>
-                  <a:ext uri="{0D108BD9-81ED-4DB2-BD59-A6C34878D82A}">
-                    <a16:rowId xmlns:a16="http://schemas.microsoft.com/office/drawing/2014/main" val="2605945048"/>
-                  </a:ext>
-                </a:extLst>
-              </a:tr>
             </a:tbl>
           </a:graphicData>
         </a:graphic>
@@ -8665,7 +8597,7 @@
         </p:blipFill>
         <p:spPr>
           <a:xfrm>
-            <a:off x="5744726" y="526206"/>
+            <a:off x="6169891" y="526206"/>
             <a:ext cx="5068744" cy="6331794"/>
           </a:xfrm>
         </p:spPr>
